--- a/event planner team ppt.pptx
+++ b/event planner team ppt.pptx
@@ -6,7 +6,7 @@
     <p:sldMasterId id="2147483671" r:id="rId2"/>
   </p:sldMasterIdLst>
   <p:notesMasterIdLst>
-    <p:notesMasterId r:id="rId16"/>
+    <p:notesMasterId r:id="rId15"/>
   </p:notesMasterIdLst>
   <p:sldIdLst>
     <p:sldId id="256" r:id="rId3"/>
@@ -17,11 +17,10 @@
     <p:sldId id="261" r:id="rId8"/>
     <p:sldId id="262" r:id="rId9"/>
     <p:sldId id="264" r:id="rId10"/>
-    <p:sldId id="265" r:id="rId11"/>
-    <p:sldId id="266" r:id="rId12"/>
-    <p:sldId id="267" r:id="rId13"/>
-    <p:sldId id="268" r:id="rId14"/>
-    <p:sldId id="263" r:id="rId15"/>
+    <p:sldId id="266" r:id="rId11"/>
+    <p:sldId id="267" r:id="rId12"/>
+    <p:sldId id="268" r:id="rId13"/>
+    <p:sldId id="263" r:id="rId14"/>
   </p:sldIdLst>
   <p:sldSz cx="9144000" cy="5143500" type="screen16x9"/>
   <p:notesSz cx="6858000" cy="9144000"/>
@@ -826,133 +825,6 @@
         <p:cNvPr id="1" name="Shape 190">
           <a:extLst>
             <a:ext uri="{FF2B5EF4-FFF2-40B4-BE49-F238E27FC236}">
-              <a16:creationId xmlns:a16="http://schemas.microsoft.com/office/drawing/2014/main" xmlns="" id="{BFEC0B00-EE33-E1FE-E41C-6125648CB4F6}"/>
-            </a:ext>
-          </a:extLst>
-        </p:cNvPr>
-        <p:cNvGrpSpPr/>
-        <p:nvPr/>
-      </p:nvGrpSpPr>
-      <p:grpSpPr>
-        <a:xfrm>
-          <a:off x="0" y="0"/>
-          <a:ext cx="0" cy="0"/>
-          <a:chOff x="0" y="0"/>
-          <a:chExt cx="0" cy="0"/>
-        </a:xfrm>
-      </p:grpSpPr>
-      <p:sp>
-        <p:nvSpPr>
-          <p:cNvPr id="191" name="Google Shape;191;g3af88ed25c0_2_134:notes">
-            <a:extLst>
-              <a:ext uri="{FF2B5EF4-FFF2-40B4-BE49-F238E27FC236}">
-                <a16:creationId xmlns:a16="http://schemas.microsoft.com/office/drawing/2014/main" xmlns="" id="{74787B66-C7EC-90DA-D934-B16630C297FC}"/>
-              </a:ext>
-            </a:extLst>
-          </p:cNvPr>
-          <p:cNvSpPr txBox="1">
-            <a:spLocks noGrp="1"/>
-          </p:cNvSpPr>
-          <p:nvPr>
-            <p:ph type="body" idx="1"/>
-          </p:nvPr>
-        </p:nvSpPr>
-        <p:spPr>
-          <a:xfrm>
-            <a:off x="685800" y="4343400"/>
-            <a:ext cx="5486400" cy="4114800"/>
-          </a:xfrm>
-          <a:prstGeom prst="rect">
-            <a:avLst/>
-          </a:prstGeom>
-        </p:spPr>
-        <p:txBody>
-          <a:bodyPr spcFirstLastPara="1" wrap="square" lIns="91425" tIns="91425" rIns="91425" bIns="91425" anchor="t" anchorCtr="0">
-            <a:noAutofit/>
-          </a:bodyPr>
-          <a:lstStyle/>
-          <a:p>
-            <a:pPr marL="0" lvl="0" indent="0" algn="l" rtl="0">
-              <a:spcBef>
-                <a:spcPts val="0"/>
-              </a:spcBef>
-              <a:spcAft>
-                <a:spcPts val="0"/>
-              </a:spcAft>
-              <a:buNone/>
-            </a:pPr>
-            <a:endParaRPr/>
-          </a:p>
-        </p:txBody>
-      </p:sp>
-      <p:sp>
-        <p:nvSpPr>
-          <p:cNvPr id="192" name="Google Shape;192;g3af88ed25c0_2_134:notes">
-            <a:extLst>
-              <a:ext uri="{FF2B5EF4-FFF2-40B4-BE49-F238E27FC236}">
-                <a16:creationId xmlns:a16="http://schemas.microsoft.com/office/drawing/2014/main" xmlns="" id="{55CA57E7-407C-2E87-9FE8-7776DE1A5048}"/>
-              </a:ext>
-            </a:extLst>
-          </p:cNvPr>
-          <p:cNvSpPr>
-            <a:spLocks noGrp="1" noRot="1" noChangeAspect="1"/>
-          </p:cNvSpPr>
-          <p:nvPr>
-            <p:ph type="sldImg" idx="2"/>
-          </p:nvPr>
-        </p:nvSpPr>
-        <p:spPr>
-          <a:xfrm>
-            <a:off x="381000" y="685800"/>
-            <a:ext cx="6096000" cy="3429000"/>
-          </a:xfrm>
-          <a:custGeom>
-            <a:avLst/>
-            <a:gdLst/>
-            <a:ahLst/>
-            <a:cxnLst/>
-            <a:rect l="l" t="t" r="r" b="b"/>
-            <a:pathLst>
-              <a:path w="120000" h="120000" extrusionOk="0">
-                <a:moveTo>
-                  <a:pt x="0" y="0"/>
-                </a:moveTo>
-                <a:lnTo>
-                  <a:pt x="120000" y="0"/>
-                </a:lnTo>
-                <a:lnTo>
-                  <a:pt x="120000" y="120000"/>
-                </a:lnTo>
-                <a:lnTo>
-                  <a:pt x="0" y="120000"/>
-                </a:lnTo>
-                <a:close/>
-              </a:path>
-            </a:pathLst>
-          </a:custGeom>
-        </p:spPr>
-      </p:sp>
-    </p:spTree>
-    <p:extLst>
-      <p:ext uri="{BB962C8B-B14F-4D97-AF65-F5344CB8AC3E}">
-        <p14:creationId xmlns:p14="http://schemas.microsoft.com/office/powerpoint/2010/main" xmlns="" val="3022280204"/>
-      </p:ext>
-    </p:extLst>
-  </p:cSld>
-  <p:clrMapOvr>
-    <a:masterClrMapping/>
-  </p:clrMapOvr>
-</p:notes>
-</file>
-
-<file path=ppt/notesSlides/notesSlide11.xml><?xml version="1.0" encoding="utf-8"?>
-<p:notes xmlns:a="http://schemas.openxmlformats.org/drawingml/2006/main" xmlns:r="http://schemas.openxmlformats.org/officeDocument/2006/relationships" xmlns:p="http://schemas.openxmlformats.org/presentationml/2006/main" showMasterSp="0" showMasterPhAnim="0">
-  <p:cSld>
-    <p:spTree>
-      <p:nvGrpSpPr>
-        <p:cNvPr id="1" name="Shape 190">
-          <a:extLst>
-            <a:ext uri="{FF2B5EF4-FFF2-40B4-BE49-F238E27FC236}">
               <a16:creationId xmlns:a16="http://schemas.microsoft.com/office/drawing/2014/main" xmlns="" id="{6D068E82-5F77-D4BF-60C1-60AA237AF543}"/>
             </a:ext>
           </a:extLst>
@@ -1072,7 +944,7 @@
 </p:notes>
 </file>
 
-<file path=ppt/notesSlides/notesSlide12.xml><?xml version="1.0" encoding="utf-8"?>
+<file path=ppt/notesSlides/notesSlide11.xml><?xml version="1.0" encoding="utf-8"?>
 <p:notes xmlns:a="http://schemas.openxmlformats.org/drawingml/2006/main" xmlns:r="http://schemas.openxmlformats.org/officeDocument/2006/relationships" xmlns:p="http://schemas.openxmlformats.org/presentationml/2006/main" showMasterSp="0" showMasterPhAnim="0">
   <p:cSld>
     <p:spTree>
@@ -1199,7 +1071,7 @@
 </p:notes>
 </file>
 
-<file path=ppt/notesSlides/notesSlide13.xml><?xml version="1.0" encoding="utf-8"?>
+<file path=ppt/notesSlides/notesSlide12.xml><?xml version="1.0" encoding="utf-8"?>
 <p:notes xmlns:a="http://schemas.openxmlformats.org/drawingml/2006/main" xmlns:r="http://schemas.openxmlformats.org/officeDocument/2006/relationships" xmlns:p="http://schemas.openxmlformats.org/presentationml/2006/main" showMasterSp="0" showMasterPhAnim="0">
   <p:cSld>
     <p:spTree>
@@ -2062,7 +1934,7 @@
         <p:cNvPr id="1" name="Shape 190">
           <a:extLst>
             <a:ext uri="{FF2B5EF4-FFF2-40B4-BE49-F238E27FC236}">
-              <a16:creationId xmlns:a16="http://schemas.microsoft.com/office/drawing/2014/main" xmlns="" id="{50043EDC-AF01-DFB6-B0AF-87CA4850635C}"/>
+              <a16:creationId xmlns:a16="http://schemas.microsoft.com/office/drawing/2014/main" xmlns="" id="{BFEC0B00-EE33-E1FE-E41C-6125648CB4F6}"/>
             </a:ext>
           </a:extLst>
         </p:cNvPr>
@@ -2082,7 +1954,7 @@
           <p:cNvPr id="191" name="Google Shape;191;g3af88ed25c0_2_134:notes">
             <a:extLst>
               <a:ext uri="{FF2B5EF4-FFF2-40B4-BE49-F238E27FC236}">
-                <a16:creationId xmlns:a16="http://schemas.microsoft.com/office/drawing/2014/main" xmlns="" id="{13192FD4-5FB2-0C4D-89DA-265B10B95708}"/>
+                <a16:creationId xmlns:a16="http://schemas.microsoft.com/office/drawing/2014/main" xmlns="" id="{74787B66-C7EC-90DA-D934-B16630C297FC}"/>
               </a:ext>
             </a:extLst>
           </p:cNvPr>
@@ -2126,7 +1998,7 @@
           <p:cNvPr id="192" name="Google Shape;192;g3af88ed25c0_2_134:notes">
             <a:extLst>
               <a:ext uri="{FF2B5EF4-FFF2-40B4-BE49-F238E27FC236}">
-                <a16:creationId xmlns:a16="http://schemas.microsoft.com/office/drawing/2014/main" xmlns="" id="{9039B523-C45F-DCC2-5BF3-DF33F1F6B9DC}"/>
+                <a16:creationId xmlns:a16="http://schemas.microsoft.com/office/drawing/2014/main" xmlns="" id="{55CA57E7-407C-2E87-9FE8-7776DE1A5048}"/>
               </a:ext>
             </a:extLst>
           </p:cNvPr>
@@ -2171,7 +2043,7 @@
     </p:spTree>
     <p:extLst>
       <p:ext uri="{BB962C8B-B14F-4D97-AF65-F5344CB8AC3E}">
-        <p14:creationId xmlns:p14="http://schemas.microsoft.com/office/powerpoint/2010/main" xmlns="" val="2883715827"/>
+        <p14:creationId xmlns:p14="http://schemas.microsoft.com/office/powerpoint/2010/main" xmlns="" val="3022280204"/>
       </p:ext>
     </p:extLst>
   </p:cSld>
@@ -17457,244 +17329,6 @@
         <p:cNvPr id="1" name="Shape 193">
           <a:extLst>
             <a:ext uri="{FF2B5EF4-FFF2-40B4-BE49-F238E27FC236}">
-              <a16:creationId xmlns:a16="http://schemas.microsoft.com/office/drawing/2014/main" xmlns="" id="{ADAE8584-96B4-DB04-0F49-E9AD69A13B11}"/>
-            </a:ext>
-          </a:extLst>
-        </p:cNvPr>
-        <p:cNvGrpSpPr/>
-        <p:nvPr/>
-      </p:nvGrpSpPr>
-      <p:grpSpPr>
-        <a:xfrm>
-          <a:off x="0" y="0"/>
-          <a:ext cx="0" cy="0"/>
-          <a:chOff x="0" y="0"/>
-          <a:chExt cx="0" cy="0"/>
-        </a:xfrm>
-      </p:grpSpPr>
-      <p:sp>
-        <p:nvSpPr>
-          <p:cNvPr id="194" name="Google Shape;194;p31">
-            <a:extLst>
-              <a:ext uri="{FF2B5EF4-FFF2-40B4-BE49-F238E27FC236}">
-                <a16:creationId xmlns:a16="http://schemas.microsoft.com/office/drawing/2014/main" xmlns="" id="{7F562937-C6E1-A7F1-9B41-5EA9E4500554}"/>
-              </a:ext>
-            </a:extLst>
-          </p:cNvPr>
-          <p:cNvSpPr/>
-          <p:nvPr/>
-        </p:nvSpPr>
-        <p:spPr>
-          <a:xfrm>
-            <a:off x="0" y="0"/>
-            <a:ext cx="9144000" cy="822960"/>
-          </a:xfrm>
-          <a:prstGeom prst="rect">
-            <a:avLst/>
-          </a:prstGeom>
-          <a:solidFill>
-            <a:srgbClr val="0A1E3C"/>
-          </a:solidFill>
-          <a:ln>
-            <a:noFill/>
-          </a:ln>
-          <a:effectLst>
-            <a:outerShdw blurRad="40000" dist="23000" dir="5400000" rotWithShape="0">
-              <a:srgbClr val="000000">
-                <a:alpha val="34901"/>
-              </a:srgbClr>
-            </a:outerShdw>
-          </a:effectLst>
-        </p:spPr>
-        <p:txBody>
-          <a:bodyPr spcFirstLastPara="1" wrap="square" lIns="91425" tIns="45700" rIns="91425" bIns="45700" anchor="ctr" anchorCtr="0">
-            <a:noAutofit/>
-          </a:bodyPr>
-          <a:lstStyle/>
-          <a:p>
-            <a:pPr marL="0" marR="0" lvl="0" indent="0" algn="ctr" rtl="0">
-              <a:spcBef>
-                <a:spcPts val="0"/>
-              </a:spcBef>
-              <a:spcAft>
-                <a:spcPts val="0"/>
-              </a:spcAft>
-              <a:buNone/>
-            </a:pPr>
-            <a:endParaRPr sz="1800">
-              <a:solidFill>
-                <a:schemeClr val="dk1"/>
-              </a:solidFill>
-              <a:latin typeface="Calibri"/>
-              <a:ea typeface="Calibri"/>
-              <a:cs typeface="Calibri"/>
-              <a:sym typeface="Calibri"/>
-            </a:endParaRPr>
-          </a:p>
-        </p:txBody>
-      </p:sp>
-      <p:sp>
-        <p:nvSpPr>
-          <p:cNvPr id="195" name="Google Shape;195;p31">
-            <a:extLst>
-              <a:ext uri="{FF2B5EF4-FFF2-40B4-BE49-F238E27FC236}">
-                <a16:creationId xmlns:a16="http://schemas.microsoft.com/office/drawing/2014/main" xmlns="" id="{178E0793-ACE4-C148-341A-E2E785235AA3}"/>
-              </a:ext>
-            </a:extLst>
-          </p:cNvPr>
-          <p:cNvSpPr txBox="1"/>
-          <p:nvPr/>
-        </p:nvSpPr>
-        <p:spPr>
-          <a:xfrm>
-            <a:off x="457200" y="205740"/>
-            <a:ext cx="8229600" cy="584735"/>
-          </a:xfrm>
-          <a:prstGeom prst="rect">
-            <a:avLst/>
-          </a:prstGeom>
-          <a:noFill/>
-          <a:ln>
-            <a:noFill/>
-          </a:ln>
-        </p:spPr>
-        <p:txBody>
-          <a:bodyPr spcFirstLastPara="1" wrap="square" lIns="91425" tIns="45700" rIns="91425" bIns="45700" anchor="t" anchorCtr="0">
-            <a:spAutoFit/>
-          </a:bodyPr>
-          <a:lstStyle/>
-          <a:p>
-            <a:pPr marL="0" marR="0" lvl="0" indent="0" algn="l" rtl="0">
-              <a:spcBef>
-                <a:spcPts val="0"/>
-              </a:spcBef>
-              <a:spcAft>
-                <a:spcPts val="0"/>
-              </a:spcAft>
-              <a:buNone/>
-            </a:pPr>
-            <a:r>
-              <a:rPr lang="en" sz="3200" b="1" dirty="0">
-                <a:solidFill>
-                  <a:srgbClr val="FFFFFF"/>
-                </a:solidFill>
-                <a:latin typeface="Arial"/>
-                <a:ea typeface="Arial"/>
-                <a:cs typeface="Arial"/>
-                <a:sym typeface="Arial"/>
-              </a:rPr>
-              <a:t>Project Screenshots</a:t>
-            </a:r>
-            <a:endParaRPr dirty="0"/>
-          </a:p>
-        </p:txBody>
-      </p:sp>
-      <p:sp>
-        <p:nvSpPr>
-          <p:cNvPr id="4" name="TextBox 3">
-            <a:extLst>
-              <a:ext uri="{FF2B5EF4-FFF2-40B4-BE49-F238E27FC236}">
-                <a16:creationId xmlns:a16="http://schemas.microsoft.com/office/drawing/2014/main" xmlns="" id="{7D6DD816-E551-8C6F-A1D4-7B5BF2B5C598}"/>
-              </a:ext>
-            </a:extLst>
-          </p:cNvPr>
-          <p:cNvSpPr txBox="1"/>
-          <p:nvPr/>
-        </p:nvSpPr>
-        <p:spPr>
-          <a:xfrm>
-            <a:off x="317715" y="4684226"/>
-            <a:ext cx="5850610" cy="307777"/>
-          </a:xfrm>
-          <a:prstGeom prst="rect">
-            <a:avLst/>
-          </a:prstGeom>
-          <a:noFill/>
-        </p:spPr>
-        <p:txBody>
-          <a:bodyPr wrap="square" rtlCol="0">
-            <a:spAutoFit/>
-          </a:bodyPr>
-          <a:lstStyle/>
-          <a:p>
-            <a:r>
-              <a:rPr lang="en-US" dirty="0">
-                <a:latin typeface="Calibri" panose="020F0502020204030204" pitchFamily="34" charset="0"/>
-                <a:ea typeface="Calibri" panose="020F0502020204030204" pitchFamily="34" charset="0"/>
-                <a:cs typeface="Calibri" panose="020F0502020204030204" pitchFamily="34" charset="0"/>
-              </a:rPr>
-              <a:t>User Dashboard where users can interact with different functionalities </a:t>
-            </a:r>
-            <a:endParaRPr lang="en-IN" dirty="0">
-              <a:latin typeface="Calibri" panose="020F0502020204030204" pitchFamily="34" charset="0"/>
-              <a:ea typeface="Calibri" panose="020F0502020204030204" pitchFamily="34" charset="0"/>
-              <a:cs typeface="Calibri" panose="020F0502020204030204" pitchFamily="34" charset="0"/>
-            </a:endParaRPr>
-          </a:p>
-        </p:txBody>
-      </p:sp>
-      <p:pic>
-        <p:nvPicPr>
-          <p:cNvPr id="3" name="Picture 2">
-            <a:extLst>
-              <a:ext uri="{FF2B5EF4-FFF2-40B4-BE49-F238E27FC236}">
-                <a16:creationId xmlns:a16="http://schemas.microsoft.com/office/drawing/2014/main" xmlns="" id="{28B9D3B6-7596-DB80-C4D4-BC66B0E8C4A5}"/>
-              </a:ext>
-            </a:extLst>
-          </p:cNvPr>
-          <p:cNvPicPr>
-            <a:picLocks noChangeAspect="1"/>
-          </p:cNvPicPr>
-          <p:nvPr/>
-        </p:nvPicPr>
-        <p:blipFill>
-          <a:blip r:embed="rId3"/>
-          <a:stretch>
-            <a:fillRect/>
-          </a:stretch>
-        </p:blipFill>
-        <p:spPr>
-          <a:xfrm>
-            <a:off x="325464" y="891029"/>
-            <a:ext cx="8493071" cy="3670885"/>
-          </a:xfrm>
-          <a:prstGeom prst="rect">
-            <a:avLst/>
-          </a:prstGeom>
-        </p:spPr>
-      </p:pic>
-    </p:spTree>
-    <p:extLst>
-      <p:ext uri="{BB962C8B-B14F-4D97-AF65-F5344CB8AC3E}">
-        <p14:creationId xmlns:p14="http://schemas.microsoft.com/office/powerpoint/2010/main" xmlns="" val="3236428469"/>
-      </p:ext>
-    </p:extLst>
-  </p:cSld>
-  <p:clrMapOvr>
-    <a:masterClrMapping/>
-  </p:clrMapOvr>
-  <p:transition spd="med">
-    <p:pull/>
-  </p:transition>
-</p:sld>
-</file>
-
-<file path=ppt/slides/slide11.xml><?xml version="1.0" encoding="utf-8"?>
-<p:sld xmlns:a="http://schemas.openxmlformats.org/drawingml/2006/main" xmlns:r="http://schemas.openxmlformats.org/officeDocument/2006/relationships" xmlns:p="http://schemas.openxmlformats.org/presentationml/2006/main">
-  <p:cSld>
-    <p:bg>
-      <p:bgPr>
-        <a:solidFill>
-          <a:srgbClr val="FFFFFF"/>
-        </a:solidFill>
-        <a:effectLst/>
-      </p:bgPr>
-    </p:bg>
-    <p:spTree>
-      <p:nvGrpSpPr>
-        <p:cNvPr id="1" name="Shape 193">
-          <a:extLst>
-            <a:ext uri="{FF2B5EF4-FFF2-40B4-BE49-F238E27FC236}">
               <a16:creationId xmlns:a16="http://schemas.microsoft.com/office/drawing/2014/main" xmlns="" id="{8B1B135C-4AEB-42FD-41D9-F68204062156}"/>
             </a:ext>
           </a:extLst>
@@ -17917,7 +17551,7 @@
 </p:sld>
 </file>
 
-<file path=ppt/slides/slide12.xml><?xml version="1.0" encoding="utf-8"?>
+<file path=ppt/slides/slide11.xml><?xml version="1.0" encoding="utf-8"?>
 <p:sld xmlns:a="http://schemas.openxmlformats.org/drawingml/2006/main" xmlns:r="http://schemas.openxmlformats.org/officeDocument/2006/relationships" xmlns:p="http://schemas.openxmlformats.org/presentationml/2006/main">
   <p:cSld>
     <p:bg>
@@ -18156,7 +17790,7 @@
 </p:sld>
 </file>
 
-<file path=ppt/slides/slide13.xml><?xml version="1.0" encoding="utf-8"?>
+<file path=ppt/slides/slide12.xml><?xml version="1.0" encoding="utf-8"?>
 <p:sld xmlns:a="http://schemas.openxmlformats.org/drawingml/2006/main" xmlns:r="http://schemas.openxmlformats.org/officeDocument/2006/relationships" xmlns:p="http://schemas.openxmlformats.org/presentationml/2006/main">
   <p:cSld>
     <p:bg>
@@ -22108,7 +21742,7 @@
         <p:cNvPr id="1" name="Shape 193">
           <a:extLst>
             <a:ext uri="{FF2B5EF4-FFF2-40B4-BE49-F238E27FC236}">
-              <a16:creationId xmlns:a16="http://schemas.microsoft.com/office/drawing/2014/main" xmlns="" id="{03A4C3C4-3759-6F31-46EA-93016295701B}"/>
+              <a16:creationId xmlns:a16="http://schemas.microsoft.com/office/drawing/2014/main" xmlns="" id="{ADAE8584-96B4-DB04-0F49-E9AD69A13B11}"/>
             </a:ext>
           </a:extLst>
         </p:cNvPr>
@@ -22128,7 +21762,7 @@
           <p:cNvPr id="194" name="Google Shape;194;p31">
             <a:extLst>
               <a:ext uri="{FF2B5EF4-FFF2-40B4-BE49-F238E27FC236}">
-                <a16:creationId xmlns:a16="http://schemas.microsoft.com/office/drawing/2014/main" xmlns="" id="{0ED396DF-935A-D1D0-804F-157EBE9031A6}"/>
+                <a16:creationId xmlns:a16="http://schemas.microsoft.com/office/drawing/2014/main" xmlns="" id="{7F562937-C6E1-A7F1-9B41-5EA9E4500554}"/>
               </a:ext>
             </a:extLst>
           </p:cNvPr>
@@ -22189,7 +21823,7 @@
           <p:cNvPr id="195" name="Google Shape;195;p31">
             <a:extLst>
               <a:ext uri="{FF2B5EF4-FFF2-40B4-BE49-F238E27FC236}">
-                <a16:creationId xmlns:a16="http://schemas.microsoft.com/office/drawing/2014/main" xmlns="" id="{E8B95835-D21C-B7A2-BA82-B35850BE0A01}"/>
+                <a16:creationId xmlns:a16="http://schemas.microsoft.com/office/drawing/2014/main" xmlns="" id="{178E0793-ACE4-C148-341A-E2E785235AA3}"/>
               </a:ext>
             </a:extLst>
           </p:cNvPr>
@@ -22245,7 +21879,7 @@
           <p:cNvPr id="4" name="TextBox 3">
             <a:extLst>
               <a:ext uri="{FF2B5EF4-FFF2-40B4-BE49-F238E27FC236}">
-                <a16:creationId xmlns:a16="http://schemas.microsoft.com/office/drawing/2014/main" xmlns="" id="{3F9F2687-7AA9-3685-0FAA-DCC3B87C4515}"/>
+                <a16:creationId xmlns:a16="http://schemas.microsoft.com/office/drawing/2014/main" xmlns="" id="{7D6DD816-E551-8C6F-A1D4-7B5BF2B5C598}"/>
               </a:ext>
             </a:extLst>
           </p:cNvPr>
@@ -22254,8 +21888,8 @@
         </p:nvSpPr>
         <p:spPr>
           <a:xfrm>
-            <a:off x="317715" y="4629983"/>
-            <a:ext cx="5253925" cy="307777"/>
+            <a:off x="317715" y="4684226"/>
+            <a:ext cx="5850610" cy="307777"/>
           </a:xfrm>
           <a:prstGeom prst="rect">
             <a:avLst/>
@@ -22274,7 +21908,7 @@
                 <a:ea typeface="Calibri" panose="020F0502020204030204" pitchFamily="34" charset="0"/>
                 <a:cs typeface="Calibri" panose="020F0502020204030204" pitchFamily="34" charset="0"/>
               </a:rPr>
-              <a:t>Login page where users can enter username and password </a:t>
+              <a:t>User Dashboard where users can interact with different functionalities </a:t>
             </a:r>
             <a:endParaRPr lang="en-IN" dirty="0">
               <a:latin typeface="Calibri" panose="020F0502020204030204" pitchFamily="34" charset="0"/>
@@ -22286,10 +21920,10 @@
       </p:sp>
       <p:pic>
         <p:nvPicPr>
-          <p:cNvPr id="5" name="Picture 4">
+          <p:cNvPr id="3" name="Picture 2">
             <a:extLst>
               <a:ext uri="{FF2B5EF4-FFF2-40B4-BE49-F238E27FC236}">
-                <a16:creationId xmlns:a16="http://schemas.microsoft.com/office/drawing/2014/main" xmlns="" id="{A3390F1D-0230-B14B-605C-0BB56F405F31}"/>
+                <a16:creationId xmlns:a16="http://schemas.microsoft.com/office/drawing/2014/main" xmlns="" id="{28B9D3B6-7596-DB80-C4D4-BC66B0E8C4A5}"/>
               </a:ext>
             </a:extLst>
           </p:cNvPr>
@@ -22306,8 +21940,8 @@
         </p:blipFill>
         <p:spPr>
           <a:xfrm>
-            <a:off x="379710" y="892001"/>
-            <a:ext cx="8431078" cy="3652881"/>
+            <a:off x="325464" y="891029"/>
+            <a:ext cx="8493071" cy="3670885"/>
           </a:xfrm>
           <a:prstGeom prst="rect">
             <a:avLst/>
@@ -22317,7 +21951,7 @@
     </p:spTree>
     <p:extLst>
       <p:ext uri="{BB962C8B-B14F-4D97-AF65-F5344CB8AC3E}">
-        <p14:creationId xmlns:p14="http://schemas.microsoft.com/office/powerpoint/2010/main" xmlns="" val="1632723460"/>
+        <p14:creationId xmlns:p14="http://schemas.microsoft.com/office/powerpoint/2010/main" xmlns="" val="3236428469"/>
       </p:ext>
     </p:extLst>
   </p:cSld>
